--- a/imgWiki/API_flow.pptx
+++ b/imgWiki/API_flow.pptx
@@ -5543,7 +5543,7 @@
         </p:nvSpPr>
         <p:spPr>
           <a:xfrm>
-            <a:off x="6501806" y="3619806"/>
+            <a:off x="6501806" y="3364155"/>
             <a:ext cx="863233" cy="243840"/>
           </a:xfrm>
           <a:prstGeom prst="rect">
@@ -6186,7 +6186,7 @@
         </p:nvSpPr>
         <p:spPr>
           <a:xfrm>
-            <a:off x="6501806" y="3869314"/>
+            <a:off x="6501806" y="3613663"/>
             <a:ext cx="863233" cy="243840"/>
           </a:xfrm>
           <a:prstGeom prst="rect">
@@ -6919,15 +6919,16 @@
             </a:extLst>
           </p:cNvPr>
           <p:cNvCxnSpPr>
+            <a:cxnSpLocks/>
             <a:stCxn id="84" idx="6"/>
-            <a:endCxn id="148" idx="1"/>
+            <a:endCxn id="51" idx="1"/>
           </p:cNvCxnSpPr>
           <p:nvPr/>
         </p:nvCxnSpPr>
         <p:spPr>
           <a:xfrm>
             <a:off x="6028635" y="3986830"/>
-            <a:ext cx="473171" cy="4404"/>
+            <a:ext cx="473171" cy="5668"/>
           </a:xfrm>
           <a:prstGeom prst="bentConnector3">
             <a:avLst/>
@@ -7555,7 +7556,7 @@
         <p:spPr>
           <a:xfrm>
             <a:off x="7512295" y="3970765"/>
-            <a:ext cx="1446098" cy="635044"/>
+            <a:ext cx="1698380" cy="635044"/>
           </a:xfrm>
           <a:prstGeom prst="roundRect">
             <a:avLst/>
@@ -7596,7 +7597,7 @@
                   <a:schemeClr val="tx1"/>
                 </a:solidFill>
               </a:rPr>
-              <a:t>Deletion of ride abates active component duration</a:t>
+              <a:t>Modification or deletion of ride updates active component duration</a:t>
             </a:r>
             <a:endParaRPr lang="en-FI" sz="1100" dirty="0">
               <a:solidFill>
@@ -7710,6 +7711,56 @@
               </a:rPr>
               <a:t>Rides accumulate active component duration</a:t>
             </a:r>
+          </a:p>
+        </p:txBody>
+      </p:sp>
+      <p:sp>
+        <p:nvSpPr>
+          <p:cNvPr id="51" name="Rectangle 50">
+            <a:extLst>
+              <a:ext uri="{FF2B5EF4-FFF2-40B4-BE49-F238E27FC236}">
+                <a16:creationId xmlns:a16="http://schemas.microsoft.com/office/drawing/2014/main" id="{C9029FCA-BDAC-4C15-8E74-D6C7F0B72334}"/>
+              </a:ext>
+            </a:extLst>
+          </p:cNvPr>
+          <p:cNvSpPr/>
+          <p:nvPr/>
+        </p:nvSpPr>
+        <p:spPr>
+          <a:xfrm>
+            <a:off x="6501806" y="3870578"/>
+            <a:ext cx="863233" cy="243840"/>
+          </a:xfrm>
+          <a:prstGeom prst="rect">
+            <a:avLst/>
+          </a:prstGeom>
+        </p:spPr>
+        <p:style>
+          <a:lnRef idx="2">
+            <a:schemeClr val="accent1">
+              <a:shade val="50000"/>
+            </a:schemeClr>
+          </a:lnRef>
+          <a:fillRef idx="1">
+            <a:schemeClr val="accent1"/>
+          </a:fillRef>
+          <a:effectRef idx="0">
+            <a:schemeClr val="accent1"/>
+          </a:effectRef>
+          <a:fontRef idx="minor">
+            <a:schemeClr val="lt1"/>
+          </a:fontRef>
+        </p:style>
+        <p:txBody>
+          <a:bodyPr rtlCol="0" anchor="ctr"/>
+          <a:lstStyle/>
+          <a:p>
+            <a:pPr algn="ctr"/>
+            <a:r>
+              <a:rPr lang="en-US" sz="800" dirty="0"/>
+              <a:t>MODIFY RIDE</a:t>
+            </a:r>
+            <a:endParaRPr lang="en-FI" sz="800" dirty="0"/>
           </a:p>
         </p:txBody>
       </p:sp>
